--- a/doc/3_ 설계서/Class Design_05_penta.pptx
+++ b/doc/3_ 설계서/Class Design_05_penta.pptx
@@ -2989,7 +2989,7 @@
         <p:spPr>
           <a:xfrm>
             <a:off x="7751445" y="4372844"/>
-            <a:ext cx="768159" cy="400110"/>
+            <a:ext cx="825867" cy="400110"/>
           </a:xfrm>
           <a:prstGeom prst="rect">
             <a:avLst/>
@@ -3003,8 +3003,8 @@
           <a:lstStyle/>
           <a:p>
             <a:r>
-              <a:rPr lang="ko-KR" altLang="en-US" sz="2000" dirty="0" smtClean="0"/>
-              <a:t>팀 명</a:t>
+              <a:rPr lang="en-US" altLang="ko-KR" sz="2000" dirty="0" err="1" smtClean="0"/>
+              <a:t>penta</a:t>
             </a:r>
             <a:endParaRPr lang="ko-KR" altLang="en-US" sz="2000" dirty="0"/>
           </a:p>
@@ -3092,7 +3092,7 @@
             <p:ph idx="1"/>
             <p:extLst>
               <p:ext uri="{D42A27DB-BD31-4B8C-83A1-F6EECF244321}">
-                <p14:modId xmlns:p14="http://schemas.microsoft.com/office/powerpoint/2010/main" val="3721839066"/>
+                <p14:modId xmlns:p14="http://schemas.microsoft.com/office/powerpoint/2010/main" val="4244197705"/>
               </p:ext>
             </p:extLst>
           </p:nvPr>
@@ -3242,6 +3242,16 @@
                     <a:lstStyle/>
                     <a:p>
                       <a:pPr algn="ctr" latinLnBrk="1"/>
+                      <a:r>
+                        <a:rPr lang="en-US" altLang="ko-KR" sz="1200" b="0" dirty="0" smtClean="0">
+                          <a:solidFill>
+                            <a:schemeClr val="tx1"/>
+                          </a:solidFill>
+                          <a:latin typeface="맑은 고딕" pitchFamily="50" charset="-127"/>
+                          <a:ea typeface="맑은 고딕" pitchFamily="50" charset="-127"/>
+                        </a:rPr>
+                        <a:t>2017.05.10</a:t>
+                      </a:r>
                       <a:endParaRPr lang="ko-KR" altLang="en-US" sz="1200" b="0" dirty="0">
                         <a:solidFill>
                           <a:schemeClr val="tx1"/>
@@ -3263,6 +3273,16 @@
                     <a:lstStyle/>
                     <a:p>
                       <a:pPr algn="ctr" latinLnBrk="1"/>
+                      <a:r>
+                        <a:rPr lang="en-US" altLang="ko-KR" sz="1200" b="0" dirty="0" smtClean="0">
+                          <a:solidFill>
+                            <a:schemeClr val="tx1"/>
+                          </a:solidFill>
+                          <a:latin typeface="맑은 고딕" pitchFamily="50" charset="-127"/>
+                          <a:ea typeface="맑은 고딕" pitchFamily="50" charset="-127"/>
+                        </a:rPr>
+                        <a:t>V1.0</a:t>
+                      </a:r>
                       <a:endParaRPr lang="ko-KR" altLang="en-US" sz="1200" b="0" dirty="0">
                         <a:solidFill>
                           <a:schemeClr val="tx1"/>
@@ -3284,6 +3304,26 @@
                     <a:lstStyle/>
                     <a:p>
                       <a:pPr latinLnBrk="1"/>
+                      <a:r>
+                        <a:rPr lang="en-US" altLang="ko-KR" sz="1200" b="0" dirty="0" smtClean="0">
+                          <a:solidFill>
+                            <a:schemeClr val="tx1"/>
+                          </a:solidFill>
+                          <a:latin typeface="맑은 고딕" pitchFamily="50" charset="-127"/>
+                          <a:ea typeface="맑은 고딕" pitchFamily="50" charset="-127"/>
+                        </a:rPr>
+                        <a:t>Class Design </a:t>
+                      </a:r>
+                      <a:r>
+                        <a:rPr lang="ko-KR" altLang="en-US" sz="1200" b="0" dirty="0" smtClean="0">
+                          <a:solidFill>
+                            <a:schemeClr val="tx1"/>
+                          </a:solidFill>
+                          <a:latin typeface="맑은 고딕" pitchFamily="50" charset="-127"/>
+                          <a:ea typeface="맑은 고딕" pitchFamily="50" charset="-127"/>
+                        </a:rPr>
+                        <a:t>설계</a:t>
+                      </a:r>
                       <a:endParaRPr lang="ko-KR" altLang="en-US" sz="1200" b="0" dirty="0">
                         <a:solidFill>
                           <a:schemeClr val="tx1"/>
@@ -3305,6 +3345,16 @@
                     <a:lstStyle/>
                     <a:p>
                       <a:pPr algn="ctr" latinLnBrk="1"/>
+                      <a:r>
+                        <a:rPr lang="ko-KR" altLang="en-US" sz="1200" b="0" dirty="0" smtClean="0">
+                          <a:solidFill>
+                            <a:schemeClr val="tx1"/>
+                          </a:solidFill>
+                          <a:latin typeface="맑은 고딕" pitchFamily="50" charset="-127"/>
+                          <a:ea typeface="맑은 고딕" pitchFamily="50" charset="-127"/>
+                        </a:rPr>
+                        <a:t>손희수</a:t>
+                      </a:r>
                       <a:endParaRPr lang="ko-KR" altLang="en-US" sz="1200" b="0" dirty="0">
                         <a:solidFill>
                           <a:schemeClr val="tx1"/>
@@ -3328,6 +3378,16 @@
                     <a:lstStyle/>
                     <a:p>
                       <a:pPr algn="ctr" latinLnBrk="1"/>
+                      <a:r>
+                        <a:rPr lang="en-US" altLang="ko-KR" sz="1200" b="0" dirty="0" smtClean="0">
+                          <a:solidFill>
+                            <a:schemeClr val="tx1"/>
+                          </a:solidFill>
+                          <a:latin typeface="맑은 고딕" pitchFamily="50" charset="-127"/>
+                          <a:ea typeface="맑은 고딕" pitchFamily="50" charset="-127"/>
+                        </a:rPr>
+                        <a:t>2017.05.11</a:t>
+                      </a:r>
                       <a:endParaRPr lang="ko-KR" altLang="en-US" sz="1200" b="0" dirty="0">
                         <a:solidFill>
                           <a:schemeClr val="tx1"/>
@@ -3349,6 +3409,16 @@
                     <a:lstStyle/>
                     <a:p>
                       <a:pPr algn="ctr" latinLnBrk="1"/>
+                      <a:r>
+                        <a:rPr lang="en-US" altLang="ko-KR" sz="1200" b="0" dirty="0" smtClean="0">
+                          <a:solidFill>
+                            <a:schemeClr val="tx1"/>
+                          </a:solidFill>
+                          <a:latin typeface="맑은 고딕" pitchFamily="50" charset="-127"/>
+                          <a:ea typeface="맑은 고딕" pitchFamily="50" charset="-127"/>
+                        </a:rPr>
+                        <a:t>V1.1</a:t>
+                      </a:r>
                       <a:endParaRPr lang="ko-KR" altLang="en-US" sz="1200" b="0" dirty="0">
                         <a:solidFill>
                           <a:schemeClr val="tx1"/>
@@ -3370,7 +3440,37 @@
                     <a:lstStyle/>
                     <a:p>
                       <a:pPr latinLnBrk="1"/>
-                      <a:endParaRPr lang="ko-KR" altLang="en-US" sz="1200" b="0">
+                      <a:r>
+                        <a:rPr lang="en-US" altLang="ko-KR" sz="1200" b="0" dirty="0" smtClean="0">
+                          <a:solidFill>
+                            <a:schemeClr val="tx1"/>
+                          </a:solidFill>
+                          <a:latin typeface="맑은 고딕" pitchFamily="50" charset="-127"/>
+                          <a:ea typeface="맑은 고딕" pitchFamily="50" charset="-127"/>
+                        </a:rPr>
+                        <a:t>Class</a:t>
+                      </a:r>
+                      <a:r>
+                        <a:rPr lang="en-US" altLang="ko-KR" sz="1200" b="0" baseline="0" dirty="0" smtClean="0">
+                          <a:solidFill>
+                            <a:schemeClr val="tx1"/>
+                          </a:solidFill>
+                          <a:latin typeface="맑은 고딕" pitchFamily="50" charset="-127"/>
+                          <a:ea typeface="맑은 고딕" pitchFamily="50" charset="-127"/>
+                        </a:rPr>
+                        <a:t> Design </a:t>
+                      </a:r>
+                      <a:r>
+                        <a:rPr lang="ko-KR" altLang="en-US" sz="1200" b="0" baseline="0" dirty="0" smtClean="0">
+                          <a:solidFill>
+                            <a:schemeClr val="tx1"/>
+                          </a:solidFill>
+                          <a:latin typeface="맑은 고딕" pitchFamily="50" charset="-127"/>
+                          <a:ea typeface="맑은 고딕" pitchFamily="50" charset="-127"/>
+                        </a:rPr>
+                        <a:t>설계 수정</a:t>
+                      </a:r>
+                      <a:endParaRPr lang="ko-KR" altLang="en-US" sz="1200" b="0" dirty="0">
                         <a:solidFill>
                           <a:schemeClr val="tx1"/>
                         </a:solidFill>
@@ -3391,6 +3491,16 @@
                     <a:lstStyle/>
                     <a:p>
                       <a:pPr algn="ctr" latinLnBrk="1"/>
+                      <a:r>
+                        <a:rPr lang="ko-KR" altLang="en-US" sz="1200" b="0" dirty="0" smtClean="0">
+                          <a:solidFill>
+                            <a:schemeClr val="tx1"/>
+                          </a:solidFill>
+                          <a:latin typeface="맑은 고딕" pitchFamily="50" charset="-127"/>
+                          <a:ea typeface="맑은 고딕" pitchFamily="50" charset="-127"/>
+                        </a:rPr>
+                        <a:t>송혜경</a:t>
+                      </a:r>
                       <a:endParaRPr lang="ko-KR" altLang="en-US" sz="1200" b="0" dirty="0">
                         <a:solidFill>
                           <a:schemeClr val="tx1"/>
@@ -3883,8 +3993,8 @@
           <a:p>
             <a:pPr algn="r"/>
             <a:r>
-              <a:rPr lang="ko-KR" altLang="en-US" dirty="0" smtClean="0"/>
-              <a:t>팀 명</a:t>
+              <a:rPr lang="en-US" altLang="ko-KR" dirty="0" err="1" smtClean="0"/>
+              <a:t>penta</a:t>
             </a:r>
             <a:endParaRPr lang="en-US" altLang="ko-KR" dirty="0"/>
           </a:p>
@@ -3892,14 +4002,14 @@
       </p:sp>
       <p:sp>
         <p:nvSpPr>
-          <p:cNvPr id="24" name="TextBox 23"/>
+          <p:cNvPr id="3" name="TextBox 2"/>
           <p:cNvSpPr txBox="1"/>
           <p:nvPr/>
         </p:nvSpPr>
         <p:spPr>
           <a:xfrm>
-            <a:off x="914400" y="931659"/>
-            <a:ext cx="752129" cy="307777"/>
+            <a:off x="1190847" y="255181"/>
+            <a:ext cx="2668772" cy="307777"/>
           </a:xfrm>
           <a:prstGeom prst="rect">
             <a:avLst/>
@@ -3907,58 +4017,77 @@
           <a:noFill/>
         </p:spPr>
         <p:txBody>
-          <a:bodyPr wrap="none" rtlCol="0">
+          <a:bodyPr wrap="square" rtlCol="0">
             <a:spAutoFit/>
           </a:bodyPr>
           <a:lstStyle/>
           <a:p>
             <a:r>
-              <a:rPr lang="en-US" altLang="ko-KR" dirty="0" smtClean="0"/>
-              <a:t>&lt;</a:t>
-            </a:r>
-            <a:r>
               <a:rPr lang="ko-KR" altLang="en-US" dirty="0" smtClean="0"/>
-              <a:t>예시</a:t>
+              <a:t>소공이의 </a:t>
             </a:r>
             <a:r>
               <a:rPr lang="en-US" altLang="ko-KR" dirty="0" smtClean="0"/>
-              <a:t>&gt;</a:t>
+              <a:t>To do</a:t>
             </a:r>
             <a:endParaRPr lang="ko-KR" altLang="en-US" dirty="0"/>
           </a:p>
         </p:txBody>
       </p:sp>
+      <p:sp>
+        <p:nvSpPr>
+          <p:cNvPr id="4" name="TextBox 3"/>
+          <p:cNvSpPr txBox="1"/>
+          <p:nvPr/>
+        </p:nvSpPr>
+        <p:spPr>
+          <a:xfrm>
+            <a:off x="7049413" y="430335"/>
+            <a:ext cx="1233356" cy="261610"/>
+          </a:xfrm>
+          <a:prstGeom prst="rect">
+            <a:avLst/>
+          </a:prstGeom>
+          <a:solidFill>
+            <a:schemeClr val="bg1"/>
+          </a:solidFill>
+        </p:spPr>
+        <p:txBody>
+          <a:bodyPr wrap="square" rtlCol="0">
+            <a:spAutoFit/>
+          </a:bodyPr>
+          <a:lstStyle/>
+          <a:p>
+            <a:r>
+              <a:rPr lang="en-US" altLang="ko-KR" sz="1100" dirty="0" smtClean="0"/>
+              <a:t>V1.1</a:t>
+            </a:r>
+            <a:endParaRPr lang="ko-KR" altLang="en-US" sz="1100" dirty="0"/>
+          </a:p>
+        </p:txBody>
+      </p:sp>
       <p:pic>
         <p:nvPicPr>
-          <p:cNvPr id="25" name="Picture 3"/>
+          <p:cNvPr id="7" name="그림 6"/>
           <p:cNvPicPr>
-            <a:picLocks noChangeAspect="1" noChangeArrowheads="1"/>
+            <a:picLocks noChangeAspect="1"/>
           </p:cNvPicPr>
           <p:nvPr/>
         </p:nvPicPr>
         <p:blipFill>
-          <a:blip r:embed="rId2" cstate="print"/>
-          <a:srcRect/>
+          <a:blip r:embed="rId2"/>
           <a:stretch>
             <a:fillRect/>
           </a:stretch>
         </p:blipFill>
-        <p:spPr bwMode="auto">
+        <p:spPr>
           <a:xfrm>
-            <a:off x="1146106" y="1806652"/>
-            <a:ext cx="7058326" cy="1290231"/>
+            <a:off x="160866" y="905933"/>
+            <a:ext cx="8812155" cy="5393267"/>
           </a:xfrm>
           <a:prstGeom prst="rect">
             <a:avLst/>
           </a:prstGeom>
-          <a:noFill/>
-          <a:ln w="9525">
-            <a:noFill/>
-            <a:miter lim="800000"/>
-            <a:headEnd/>
-            <a:tailEnd/>
-          </a:ln>
-          <a:effectLst/>
         </p:spPr>
       </p:pic>
     </p:spTree>

--- a/doc/3_ 설계서/Class Design_05_penta.pptx
+++ b/doc/3_ 설계서/Class Design_05_penta.pptx
@@ -3092,14 +3092,14 @@
             <p:ph idx="1"/>
             <p:extLst>
               <p:ext uri="{D42A27DB-BD31-4B8C-83A1-F6EECF244321}">
-                <p14:modId xmlns:p14="http://schemas.microsoft.com/office/powerpoint/2010/main" val="4244197705"/>
+                <p14:modId xmlns:p14="http://schemas.microsoft.com/office/powerpoint/2010/main" val="105305916"/>
               </p:ext>
             </p:extLst>
           </p:nvPr>
         </p:nvGraphicFramePr>
         <p:xfrm>
           <a:off x="280988" y="1025525"/>
-          <a:ext cx="8582024" cy="2966720"/>
+          <a:ext cx="8582024" cy="3053080"/>
         </p:xfrm>
         <a:graphic>
           <a:graphicData uri="http://schemas.openxmlformats.org/drawingml/2006/table">
@@ -3524,6 +3524,16 @@
                     <a:lstStyle/>
                     <a:p>
                       <a:pPr algn="ctr" latinLnBrk="1"/>
+                      <a:r>
+                        <a:rPr lang="en-US" altLang="ko-KR" sz="1200" b="0" dirty="0" smtClean="0">
+                          <a:solidFill>
+                            <a:schemeClr val="tx1"/>
+                          </a:solidFill>
+                          <a:latin typeface="맑은 고딕" pitchFamily="50" charset="-127"/>
+                          <a:ea typeface="맑은 고딕" pitchFamily="50" charset="-127"/>
+                        </a:rPr>
+                        <a:t>2017.06.06</a:t>
+                      </a:r>
                       <a:endParaRPr lang="ko-KR" altLang="en-US" sz="1200" b="0" dirty="0">
                         <a:solidFill>
                           <a:schemeClr val="tx1"/>
@@ -3545,6 +3555,16 @@
                     <a:lstStyle/>
                     <a:p>
                       <a:pPr algn="ctr" latinLnBrk="1"/>
+                      <a:r>
+                        <a:rPr lang="en-US" altLang="ko-KR" sz="1200" b="0" dirty="0" smtClean="0">
+                          <a:solidFill>
+                            <a:schemeClr val="tx1"/>
+                          </a:solidFill>
+                          <a:latin typeface="맑은 고딕" pitchFamily="50" charset="-127"/>
+                          <a:ea typeface="맑은 고딕" pitchFamily="50" charset="-127"/>
+                        </a:rPr>
+                        <a:t>V1.2</a:t>
+                      </a:r>
                       <a:endParaRPr lang="ko-KR" altLang="en-US" sz="1200" b="0" dirty="0">
                         <a:solidFill>
                           <a:schemeClr val="tx1"/>
@@ -3566,7 +3586,27 @@
                     <a:lstStyle/>
                     <a:p>
                       <a:pPr latinLnBrk="1"/>
-                      <a:endParaRPr lang="ko-KR" altLang="en-US" sz="1200" b="0">
+                      <a:r>
+                        <a:rPr lang="en-US" altLang="ko-KR" sz="1200" b="0" dirty="0" smtClean="0">
+                          <a:solidFill>
+                            <a:schemeClr val="tx1"/>
+                          </a:solidFill>
+                          <a:latin typeface="맑은 고딕" pitchFamily="50" charset="-127"/>
+                          <a:ea typeface="맑은 고딕" pitchFamily="50" charset="-127"/>
+                        </a:rPr>
+                        <a:t>Class Design </a:t>
+                      </a:r>
+                      <a:r>
+                        <a:rPr lang="ko-KR" altLang="en-US" sz="1200" b="0" dirty="0" smtClean="0">
+                          <a:solidFill>
+                            <a:schemeClr val="tx1"/>
+                          </a:solidFill>
+                          <a:latin typeface="맑은 고딕" pitchFamily="50" charset="-127"/>
+                          <a:ea typeface="맑은 고딕" pitchFamily="50" charset="-127"/>
+                        </a:rPr>
+                        <a:t>요구사항변경에 따른 수정</a:t>
+                      </a:r>
+                      <a:endParaRPr lang="ko-KR" altLang="en-US" sz="1200" b="0" dirty="0">
                         <a:solidFill>
                           <a:schemeClr val="tx1"/>
                         </a:solidFill>
@@ -3587,6 +3627,16 @@
                     <a:lstStyle/>
                     <a:p>
                       <a:pPr algn="ctr" latinLnBrk="1"/>
+                      <a:r>
+                        <a:rPr lang="ko-KR" altLang="en-US" sz="1200" b="0" smtClean="0">
+                          <a:solidFill>
+                            <a:schemeClr val="tx1"/>
+                          </a:solidFill>
+                          <a:latin typeface="맑은 고딕" pitchFamily="50" charset="-127"/>
+                          <a:ea typeface="맑은 고딕" pitchFamily="50" charset="-127"/>
+                        </a:rPr>
+                        <a:t>송혜경</a:t>
+                      </a:r>
                       <a:endParaRPr lang="ko-KR" altLang="en-US" sz="1200" b="0" dirty="0">
                         <a:solidFill>
                           <a:schemeClr val="tx1"/>
@@ -4060,7 +4110,7 @@
           <a:p>
             <a:r>
               <a:rPr lang="en-US" altLang="ko-KR" sz="1100" dirty="0" smtClean="0"/>
-              <a:t>V1.1</a:t>
+              <a:t>V1.2</a:t>
             </a:r>
             <a:endParaRPr lang="ko-KR" altLang="en-US" sz="1100" dirty="0"/>
           </a:p>
@@ -4068,7 +4118,7 @@
       </p:sp>
       <p:pic>
         <p:nvPicPr>
-          <p:cNvPr id="7" name="그림 6"/>
+          <p:cNvPr id="6" name="그림 5"/>
           <p:cNvPicPr>
             <a:picLocks noChangeAspect="1"/>
           </p:cNvPicPr>
@@ -4082,8 +4132,8 @@
         </p:blipFill>
         <p:spPr>
           <a:xfrm>
-            <a:off x="160866" y="905933"/>
-            <a:ext cx="8812155" cy="5393267"/>
+            <a:off x="116958" y="824614"/>
+            <a:ext cx="8920716" cy="5639685"/>
           </a:xfrm>
           <a:prstGeom prst="rect">
             <a:avLst/>
